--- a/serverless refresher.pptx
+++ b/serverless refresher.pptx
@@ -5,7 +5,7 @@
     <p:sldMasterId id="2147483648" r:id="rId1"/>
   </p:sldMasterIdLst>
   <p:notesMasterIdLst>
-    <p:notesMasterId r:id="rId18"/>
+    <p:notesMasterId r:id="rId19"/>
   </p:notesMasterIdLst>
   <p:sldIdLst>
     <p:sldId id="272" r:id="rId2"/>
@@ -24,6 +24,7 @@
     <p:sldId id="269" r:id="rId15"/>
     <p:sldId id="270" r:id="rId16"/>
     <p:sldId id="271" r:id="rId17"/>
+    <p:sldId id="273" r:id="rId18"/>
   </p:sldIdLst>
   <p:sldSz cx="12192000" cy="6858000"/>
   <p:notesSz cx="6858000" cy="9144000"/>
@@ -5225,6 +5226,167 @@
     <p:extLst>
       <p:ext uri="{BB962C8B-B14F-4D97-AF65-F5344CB8AC3E}">
         <p14:creationId xmlns:p14="http://schemas.microsoft.com/office/powerpoint/2010/main" val="2192607091"/>
+      </p:ext>
+    </p:extLst>
+  </p:cSld>
+  <p:clrMapOvr>
+    <a:masterClrMapping/>
+  </p:clrMapOvr>
+</p:sld>
+</file>
+
+<file path=ppt/slides/slide17.xml><?xml version="1.0" encoding="utf-8"?>
+<p:sld xmlns:a="http://schemas.openxmlformats.org/drawingml/2006/main" xmlns:r="http://schemas.openxmlformats.org/officeDocument/2006/relationships" xmlns:p="http://schemas.openxmlformats.org/presentationml/2006/main">
+  <p:cSld>
+    <p:spTree>
+      <p:nvGrpSpPr>
+        <p:cNvPr id="1" name=""/>
+        <p:cNvGrpSpPr/>
+        <p:nvPr/>
+      </p:nvGrpSpPr>
+      <p:grpSpPr>
+        <a:xfrm>
+          <a:off x="0" y="0"/>
+          <a:ext cx="0" cy="0"/>
+          <a:chOff x="0" y="0"/>
+          <a:chExt cx="0" cy="0"/>
+        </a:xfrm>
+      </p:grpSpPr>
+      <p:sp>
+        <p:nvSpPr>
+          <p:cNvPr id="2" name="Title 1">
+            <a:extLst>
+              <a:ext uri="{FF2B5EF4-FFF2-40B4-BE49-F238E27FC236}">
+                <a16:creationId xmlns:a16="http://schemas.microsoft.com/office/drawing/2014/main" id="{63DDDF15-47B7-FC43-B681-1EA8AF74D2E0}"/>
+              </a:ext>
+            </a:extLst>
+          </p:cNvPr>
+          <p:cNvSpPr>
+            <a:spLocks noGrp="1"/>
+          </p:cNvSpPr>
+          <p:nvPr>
+            <p:ph type="title"/>
+          </p:nvPr>
+        </p:nvSpPr>
+        <p:spPr>
+          <a:xfrm>
+            <a:off x="4557583" y="2626412"/>
+            <a:ext cx="10515600" cy="1325563"/>
+          </a:xfrm>
+        </p:spPr>
+        <p:txBody>
+          <a:bodyPr/>
+          <a:lstStyle/>
+          <a:p>
+            <a:r>
+              <a:rPr lang="en-US" dirty="0"/>
+              <a:t>Thank you!</a:t>
+            </a:r>
+          </a:p>
+        </p:txBody>
+      </p:sp>
+      <p:sp>
+        <p:nvSpPr>
+          <p:cNvPr id="4" name="TextBox 3">
+            <a:extLst>
+              <a:ext uri="{FF2B5EF4-FFF2-40B4-BE49-F238E27FC236}">
+                <a16:creationId xmlns:a16="http://schemas.microsoft.com/office/drawing/2014/main" id="{D7DA412D-1BBA-964C-B601-4D170ECA3161}"/>
+              </a:ext>
+            </a:extLst>
+          </p:cNvPr>
+          <p:cNvSpPr txBox="1"/>
+          <p:nvPr/>
+        </p:nvSpPr>
+        <p:spPr>
+          <a:xfrm>
+            <a:off x="9185189" y="5511114"/>
+            <a:ext cx="2238305" cy="646331"/>
+          </a:xfrm>
+          <a:prstGeom prst="rect">
+            <a:avLst/>
+          </a:prstGeom>
+          <a:noFill/>
+        </p:spPr>
+        <p:txBody>
+          <a:bodyPr wrap="none" rtlCol="0">
+            <a:spAutoFit/>
+          </a:bodyPr>
+          <a:lstStyle/>
+          <a:p>
+            <a:r>
+              <a:rPr lang="en-US" i="1" dirty="0"/>
+              <a:t>Krishna </a:t>
+            </a:r>
+            <a:r>
+              <a:rPr lang="en-US" i="1" dirty="0" err="1"/>
+              <a:t>Balaga</a:t>
+            </a:r>
+            <a:endParaRPr lang="en-US" i="1" dirty="0"/>
+          </a:p>
+          <a:p>
+            <a:r>
+              <a:rPr lang="en-US" i="1" dirty="0" err="1"/>
+              <a:t>krbalaga@in.ibm.com</a:t>
+            </a:r>
+            <a:endParaRPr lang="en-US" i="1" dirty="0"/>
+          </a:p>
+        </p:txBody>
+      </p:sp>
+      <p:sp>
+        <p:nvSpPr>
+          <p:cNvPr id="5" name="TextBox 4">
+            <a:extLst>
+              <a:ext uri="{FF2B5EF4-FFF2-40B4-BE49-F238E27FC236}">
+                <a16:creationId xmlns:a16="http://schemas.microsoft.com/office/drawing/2014/main" id="{C4AE2185-82E2-9043-B555-307A4F2D94E0}"/>
+              </a:ext>
+            </a:extLst>
+          </p:cNvPr>
+          <p:cNvSpPr txBox="1"/>
+          <p:nvPr/>
+        </p:nvSpPr>
+        <p:spPr>
+          <a:xfrm>
+            <a:off x="4017321" y="3951975"/>
+            <a:ext cx="4157357" cy="369332"/>
+          </a:xfrm>
+          <a:prstGeom prst="rect">
+            <a:avLst/>
+          </a:prstGeom>
+          <a:noFill/>
+        </p:spPr>
+        <p:txBody>
+          <a:bodyPr wrap="none" rtlCol="0">
+            <a:spAutoFit/>
+          </a:bodyPr>
+          <a:lstStyle/>
+          <a:p>
+            <a:r>
+              <a:rPr lang="en-IN" dirty="0">
+                <a:solidFill>
+                  <a:schemeClr val="tx2"/>
+                </a:solidFill>
+                <a:hlinkClick r:id="rId2">
+                  <a:extLst>
+                    <a:ext uri="{A12FA001-AC4F-418D-AE19-62706E023703}">
+                      <ahyp:hlinkClr xmlns:ahyp="http://schemas.microsoft.com/office/drawing/2018/hyperlinkcolor" val="tx"/>
+                    </a:ext>
+                  </a:extLst>
+                </a:hlinkClick>
+              </a:rPr>
+              <a:t>github.com/krishnac7/serverlessRefresher</a:t>
+            </a:r>
+            <a:endParaRPr lang="en-US" dirty="0">
+              <a:solidFill>
+                <a:schemeClr val="tx2"/>
+              </a:solidFill>
+            </a:endParaRPr>
+          </a:p>
+        </p:txBody>
+      </p:sp>
+    </p:spTree>
+    <p:extLst>
+      <p:ext uri="{BB962C8B-B14F-4D97-AF65-F5344CB8AC3E}">
+        <p14:creationId xmlns:p14="http://schemas.microsoft.com/office/powerpoint/2010/main" val="2895043098"/>
       </p:ext>
     </p:extLst>
   </p:cSld>
